--- a/powerpoint/Session1.pptx
+++ b/powerpoint/Session1.pptx
@@ -19991,7 +19991,7 @@
                 <a:latin typeface="Calibri"/>
                 <a:ea typeface="DejaVu Sans"/>
               </a:rPr>
-              <a:t>Bea &amp; Rao</a:t>
+              <a:t>Irina &amp; Bea</a:t>
             </a:r>
             <a:endParaRPr lang="en-GB" sz="3200" b="0" strike="noStrike" spc="-1" dirty="0">
               <a:latin typeface="Arial"/>
@@ -20017,7 +20017,7 @@
                 <a:latin typeface="Calibri"/>
                 <a:ea typeface="DejaVu Sans"/>
               </a:rPr>
-              <a:t>Michaelmas 2024</a:t>
+              <a:t>Hilary 2025</a:t>
             </a:r>
             <a:endParaRPr lang="en-GB" sz="3200" b="0" strike="noStrike" spc="-1" dirty="0">
               <a:latin typeface="Arial"/>
@@ -30139,7 +30139,7 @@
                 <a:latin typeface="Calibri"/>
                 <a:ea typeface="DejaVu Sans"/>
               </a:rPr>
-              <a:t>Bea &amp; Rao</a:t>
+              <a:t>Irina &amp; Bea</a:t>
             </a:r>
             <a:endParaRPr lang="en-GB" sz="3200" b="0" strike="noStrike" spc="-1" dirty="0">
               <a:latin typeface="Arial"/>
@@ -30158,14 +30158,14 @@
               </a:tabLst>
             </a:pPr>
             <a:r>
-              <a:rPr lang="en-US" sz="3200" b="0" strike="noStrike" spc="-1">
+              <a:rPr lang="en-US" sz="3200" b="0" strike="noStrike" spc="-1" dirty="0">
                 <a:solidFill>
                   <a:srgbClr val="8B8B8B"/>
                 </a:solidFill>
                 <a:latin typeface="Calibri"/>
                 <a:ea typeface="DejaVu Sans"/>
               </a:rPr>
-              <a:t>Michaelmas 2024</a:t>
+              <a:t>Hilary 2025</a:t>
             </a:r>
             <a:endParaRPr lang="en-GB" sz="3200" b="0" strike="noStrike" spc="-1" dirty="0">
               <a:latin typeface="Arial"/>
@@ -44956,6 +44956,23 @@
               </a:rPr>
               <a:t>GitHub repository </a:t>
             </a:r>
+          </a:p>
+          <a:p>
+            <a:pPr marL="1080">
+              <a:lnSpc>
+                <a:spcPct val="100000"/>
+              </a:lnSpc>
+              <a:spcBef>
+                <a:spcPts val="720"/>
+              </a:spcBef>
+              <a:spcAft>
+                <a:spcPts val="544"/>
+              </a:spcAft>
+              <a:buClr>
+                <a:srgbClr val="000000"/>
+              </a:buClr>
+              <a:buSzPct val="80000"/>
+            </a:pPr>
             <a:r>
               <a:rPr lang="en-US" sz="3600" spc="-1" dirty="0">
                 <a:solidFill>
@@ -44964,19 +44981,9 @@
                 <a:latin typeface="Calibri"/>
                 <a:hlinkClick r:id="rId2"/>
               </a:rPr>
-              <a:t>https://github.com/sraorao</a:t>
+              <a:t>https://github.com/Chelysheva/MSD_R_course_HT2025/tree/main</a:t>
             </a:r>
-            <a:r>
-              <a:rPr lang="en-US" sz="3600" spc="-1">
-                <a:solidFill>
-                  <a:srgbClr val="000000"/>
-                </a:solidFill>
-                <a:latin typeface="Calibri"/>
-                <a:hlinkClick r:id="rId2"/>
-              </a:rPr>
-              <a:t>/MSD_R_course_MT2024_2</a:t>
-            </a:r>
-            <a:endParaRPr lang="en-US" sz="3600" spc="-1">
+            <a:endParaRPr lang="en-US" sz="3600" spc="-1" dirty="0">
               <a:solidFill>
                 <a:srgbClr val="000000"/>
               </a:solidFill>
